--- a/Code-A-Thon 2016 Presentation.pptx
+++ b/Code-A-Thon 2016 Presentation.pptx
@@ -8,6 +8,9 @@
     <p:sldId id="256" r:id="rId2"/>
     <p:sldId id="257" r:id="rId3"/>
     <p:sldId id="258" r:id="rId4"/>
+    <p:sldId id="259" r:id="rId5"/>
+    <p:sldId id="260" r:id="rId6"/>
+    <p:sldId id="261" r:id="rId7"/>
   </p:sldIdLst>
   <p:sldSz cx="9144000" cy="6858000" type="screen4x3"/>
   <p:notesSz cx="6858000" cy="9144000"/>
@@ -106,6 +109,22 @@
       </a:defRPr>
     </a:lvl9pPr>
   </p:defaultTextStyle>
+  <p:extLst>
+    <p:ext uri="{EFAFB233-063F-42B5-8137-9DF3F51BA10A}">
+      <p15:sldGuideLst xmlns:p15="http://schemas.microsoft.com/office/powerpoint/2012/main">
+        <p15:guide id="1" orient="horz" pos="2160">
+          <p15:clr>
+            <a:srgbClr val="A4A3A4"/>
+          </p15:clr>
+        </p15:guide>
+        <p15:guide id="2" pos="2880">
+          <p15:clr>
+            <a:srgbClr val="A4A3A4"/>
+          </p15:clr>
+        </p15:guide>
+      </p15:sldGuideLst>
+    </p:ext>
+  </p:extLst>
 </p:presentation>
 </file>
 
@@ -197,10 +216,9 @@
           </a:lstStyle>
           <a:p>
             <a:r>
-              <a:rPr kumimoji="0" lang="en-US" smtClean="0"/>
+              <a:rPr kumimoji="0" lang="en-US"/>
               <a:t>Click to edit Master title style</a:t>
             </a:r>
-            <a:endParaRPr kumimoji="0" lang="en-US"/>
           </a:p>
         </p:txBody>
       </p:sp>
@@ -258,10 +276,9 @@
           </a:lstStyle>
           <a:p>
             <a:r>
-              <a:rPr kumimoji="0" lang="en-US" smtClean="0"/>
+              <a:rPr kumimoji="0" lang="en-US"/>
               <a:t>Click to edit Master subtitle style</a:t>
             </a:r>
-            <a:endParaRPr kumimoji="0" lang="en-US"/>
           </a:p>
         </p:txBody>
       </p:sp>
@@ -284,7 +301,7 @@
               <a:rPr lang="en-US" smtClean="0"/>
               <a:t>12/17/2016</a:t>
             </a:fld>
-            <a:endParaRPr lang="en-US"/>
+            <a:endParaRPr lang="en-US" dirty="0"/>
           </a:p>
         </p:txBody>
       </p:sp>
@@ -303,7 +320,7 @@
           <a:bodyPr/>
           <a:lstStyle/>
           <a:p>
-            <a:endParaRPr lang="en-US"/>
+            <a:endParaRPr lang="en-US" dirty="0"/>
           </a:p>
         </p:txBody>
       </p:sp>
@@ -326,7 +343,7 @@
               <a:rPr lang="en-US" smtClean="0"/>
               <a:t>‹#›</a:t>
             </a:fld>
-            <a:endParaRPr lang="en-US"/>
+            <a:endParaRPr lang="en-US" dirty="0"/>
           </a:p>
         </p:txBody>
       </p:sp>
@@ -371,10 +388,9 @@
           <a:lstStyle/>
           <a:p>
             <a:r>
-              <a:rPr kumimoji="0" lang="en-US" smtClean="0"/>
+              <a:rPr kumimoji="0" lang="en-US"/>
               <a:t>Click to edit Master title style</a:t>
             </a:r>
-            <a:endParaRPr kumimoji="0" lang="en-US"/>
           </a:p>
         </p:txBody>
       </p:sp>
@@ -395,35 +411,35 @@
           <a:p>
             <a:pPr lvl="0" eaLnBrk="1" latinLnBrk="0" hangingPunct="1"/>
             <a:r>
-              <a:rPr lang="en-US" smtClean="0"/>
+              <a:rPr lang="en-US"/>
               <a:t>Click to edit Master text styles</a:t>
             </a:r>
           </a:p>
           <a:p>
             <a:pPr lvl="1" eaLnBrk="1" latinLnBrk="0" hangingPunct="1"/>
             <a:r>
-              <a:rPr lang="en-US" smtClean="0"/>
+              <a:rPr lang="en-US"/>
               <a:t>Second level</a:t>
             </a:r>
           </a:p>
           <a:p>
             <a:pPr lvl="2" eaLnBrk="1" latinLnBrk="0" hangingPunct="1"/>
             <a:r>
-              <a:rPr lang="en-US" smtClean="0"/>
+              <a:rPr lang="en-US"/>
               <a:t>Third level</a:t>
             </a:r>
           </a:p>
           <a:p>
             <a:pPr lvl="3" eaLnBrk="1" latinLnBrk="0" hangingPunct="1"/>
             <a:r>
-              <a:rPr lang="en-US" smtClean="0"/>
+              <a:rPr lang="en-US"/>
               <a:t>Fourth level</a:t>
             </a:r>
           </a:p>
           <a:p>
             <a:pPr lvl="4" eaLnBrk="1" latinLnBrk="0" hangingPunct="1"/>
             <a:r>
-              <a:rPr lang="en-US" smtClean="0"/>
+              <a:rPr lang="en-US"/>
               <a:t>Fifth level</a:t>
             </a:r>
             <a:endParaRPr kumimoji="0" lang="en-US"/>
@@ -449,7 +465,7 @@
               <a:rPr lang="en-US" smtClean="0"/>
               <a:t>12/17/2016</a:t>
             </a:fld>
-            <a:endParaRPr lang="en-US"/>
+            <a:endParaRPr lang="en-US" dirty="0"/>
           </a:p>
         </p:txBody>
       </p:sp>
@@ -468,7 +484,7 @@
           <a:bodyPr/>
           <a:lstStyle/>
           <a:p>
-            <a:endParaRPr lang="en-US"/>
+            <a:endParaRPr lang="en-US" dirty="0"/>
           </a:p>
         </p:txBody>
       </p:sp>
@@ -491,7 +507,7 @@
               <a:rPr lang="en-US" smtClean="0"/>
               <a:t>‹#›</a:t>
             </a:fld>
-            <a:endParaRPr lang="en-US"/>
+            <a:endParaRPr lang="en-US" dirty="0"/>
           </a:p>
         </p:txBody>
       </p:sp>
@@ -541,10 +557,9 @@
           <a:lstStyle/>
           <a:p>
             <a:r>
-              <a:rPr kumimoji="0" lang="en-US" smtClean="0"/>
+              <a:rPr kumimoji="0" lang="en-US"/>
               <a:t>Click to edit Master title style</a:t>
             </a:r>
-            <a:endParaRPr kumimoji="0" lang="en-US"/>
           </a:p>
         </p:txBody>
       </p:sp>
@@ -570,35 +585,35 @@
           <a:p>
             <a:pPr lvl="0" eaLnBrk="1" latinLnBrk="0" hangingPunct="1"/>
             <a:r>
-              <a:rPr lang="en-US" smtClean="0"/>
+              <a:rPr lang="en-US"/>
               <a:t>Click to edit Master text styles</a:t>
             </a:r>
           </a:p>
           <a:p>
             <a:pPr lvl="1" eaLnBrk="1" latinLnBrk="0" hangingPunct="1"/>
             <a:r>
-              <a:rPr lang="en-US" smtClean="0"/>
+              <a:rPr lang="en-US"/>
               <a:t>Second level</a:t>
             </a:r>
           </a:p>
           <a:p>
             <a:pPr lvl="2" eaLnBrk="1" latinLnBrk="0" hangingPunct="1"/>
             <a:r>
-              <a:rPr lang="en-US" smtClean="0"/>
+              <a:rPr lang="en-US"/>
               <a:t>Third level</a:t>
             </a:r>
           </a:p>
           <a:p>
             <a:pPr lvl="3" eaLnBrk="1" latinLnBrk="0" hangingPunct="1"/>
             <a:r>
-              <a:rPr lang="en-US" smtClean="0"/>
+              <a:rPr lang="en-US"/>
               <a:t>Fourth level</a:t>
             </a:r>
           </a:p>
           <a:p>
             <a:pPr lvl="4" eaLnBrk="1" latinLnBrk="0" hangingPunct="1"/>
             <a:r>
-              <a:rPr lang="en-US" smtClean="0"/>
+              <a:rPr lang="en-US"/>
               <a:t>Fifth level</a:t>
             </a:r>
             <a:endParaRPr kumimoji="0" lang="en-US"/>
@@ -624,7 +639,7 @@
               <a:rPr lang="en-US" smtClean="0"/>
               <a:t>12/17/2016</a:t>
             </a:fld>
-            <a:endParaRPr lang="en-US"/>
+            <a:endParaRPr lang="en-US" dirty="0"/>
           </a:p>
         </p:txBody>
       </p:sp>
@@ -643,7 +658,7 @@
           <a:bodyPr/>
           <a:lstStyle/>
           <a:p>
-            <a:endParaRPr lang="en-US"/>
+            <a:endParaRPr lang="en-US" dirty="0"/>
           </a:p>
         </p:txBody>
       </p:sp>
@@ -666,7 +681,7 @@
               <a:rPr lang="en-US" smtClean="0"/>
               <a:t>‹#›</a:t>
             </a:fld>
-            <a:endParaRPr lang="en-US"/>
+            <a:endParaRPr lang="en-US" dirty="0"/>
           </a:p>
         </p:txBody>
       </p:sp>
@@ -711,10 +726,9 @@
           <a:lstStyle/>
           <a:p>
             <a:r>
-              <a:rPr kumimoji="0" lang="en-US" smtClean="0"/>
+              <a:rPr kumimoji="0" lang="en-US"/>
               <a:t>Click to edit Master title style</a:t>
             </a:r>
-            <a:endParaRPr kumimoji="0" lang="en-US"/>
           </a:p>
         </p:txBody>
       </p:sp>
@@ -735,35 +749,35 @@
           <a:p>
             <a:pPr lvl="0" eaLnBrk="1" latinLnBrk="0" hangingPunct="1"/>
             <a:r>
-              <a:rPr lang="en-US" smtClean="0"/>
+              <a:rPr lang="en-US"/>
               <a:t>Click to edit Master text styles</a:t>
             </a:r>
           </a:p>
           <a:p>
             <a:pPr lvl="1" eaLnBrk="1" latinLnBrk="0" hangingPunct="1"/>
             <a:r>
-              <a:rPr lang="en-US" smtClean="0"/>
+              <a:rPr lang="en-US"/>
               <a:t>Second level</a:t>
             </a:r>
           </a:p>
           <a:p>
             <a:pPr lvl="2" eaLnBrk="1" latinLnBrk="0" hangingPunct="1"/>
             <a:r>
-              <a:rPr lang="en-US" smtClean="0"/>
+              <a:rPr lang="en-US"/>
               <a:t>Third level</a:t>
             </a:r>
           </a:p>
           <a:p>
             <a:pPr lvl="3" eaLnBrk="1" latinLnBrk="0" hangingPunct="1"/>
             <a:r>
-              <a:rPr lang="en-US" smtClean="0"/>
+              <a:rPr lang="en-US"/>
               <a:t>Fourth level</a:t>
             </a:r>
           </a:p>
           <a:p>
             <a:pPr lvl="4" eaLnBrk="1" latinLnBrk="0" hangingPunct="1"/>
             <a:r>
-              <a:rPr lang="en-US" smtClean="0"/>
+              <a:rPr lang="en-US"/>
               <a:t>Fifth level</a:t>
             </a:r>
             <a:endParaRPr kumimoji="0" lang="en-US"/>
@@ -789,7 +803,7 @@
               <a:rPr lang="en-US" smtClean="0"/>
               <a:t>12/17/2016</a:t>
             </a:fld>
-            <a:endParaRPr lang="en-US"/>
+            <a:endParaRPr lang="en-US" dirty="0"/>
           </a:p>
         </p:txBody>
       </p:sp>
@@ -808,7 +822,7 @@
           <a:bodyPr/>
           <a:lstStyle/>
           <a:p>
-            <a:endParaRPr lang="en-US"/>
+            <a:endParaRPr lang="en-US" dirty="0"/>
           </a:p>
         </p:txBody>
       </p:sp>
@@ -831,7 +845,7 @@
               <a:rPr lang="en-US" smtClean="0"/>
               <a:t>‹#›</a:t>
             </a:fld>
-            <a:endParaRPr lang="en-US"/>
+            <a:endParaRPr lang="en-US" dirty="0"/>
           </a:p>
         </p:txBody>
       </p:sp>
@@ -928,10 +942,9 @@
           </a:lstStyle>
           <a:p>
             <a:r>
-              <a:rPr kumimoji="0" lang="en-US" smtClean="0"/>
+              <a:rPr kumimoji="0" lang="en-US"/>
               <a:t>Click to edit Master title style</a:t>
             </a:r>
-            <a:endParaRPr kumimoji="0" lang="en-US"/>
           </a:p>
         </p:txBody>
       </p:sp>
@@ -1006,7 +1019,7 @@
           <a:p>
             <a:pPr lvl="0" eaLnBrk="1" latinLnBrk="0" hangingPunct="1"/>
             <a:r>
-              <a:rPr kumimoji="0" lang="en-US" smtClean="0"/>
+              <a:rPr kumimoji="0" lang="en-US"/>
               <a:t>Click to edit Master text styles</a:t>
             </a:r>
           </a:p>
@@ -1031,7 +1044,7 @@
               <a:rPr lang="en-US" smtClean="0"/>
               <a:t>12/17/2016</a:t>
             </a:fld>
-            <a:endParaRPr lang="en-US"/>
+            <a:endParaRPr lang="en-US" dirty="0"/>
           </a:p>
         </p:txBody>
       </p:sp>
@@ -1050,7 +1063,7 @@
           <a:bodyPr/>
           <a:lstStyle/>
           <a:p>
-            <a:endParaRPr lang="en-US"/>
+            <a:endParaRPr lang="en-US" dirty="0"/>
           </a:p>
         </p:txBody>
       </p:sp>
@@ -1073,7 +1086,7 @@
               <a:rPr lang="en-US" smtClean="0"/>
               <a:t>‹#›</a:t>
             </a:fld>
-            <a:endParaRPr lang="en-US"/>
+            <a:endParaRPr lang="en-US" dirty="0"/>
           </a:p>
         </p:txBody>
       </p:sp>
@@ -1123,10 +1136,9 @@
           <a:lstStyle/>
           <a:p>
             <a:r>
-              <a:rPr kumimoji="0" lang="en-US" smtClean="0"/>
+              <a:rPr kumimoji="0" lang="en-US"/>
               <a:t>Click to edit Master title style</a:t>
             </a:r>
-            <a:endParaRPr kumimoji="0" lang="en-US"/>
           </a:p>
         </p:txBody>
       </p:sp>
@@ -1168,35 +1180,35 @@
           <a:p>
             <a:pPr lvl="0" eaLnBrk="1" latinLnBrk="0" hangingPunct="1"/>
             <a:r>
-              <a:rPr lang="en-US" smtClean="0"/>
+              <a:rPr lang="en-US"/>
               <a:t>Click to edit Master text styles</a:t>
             </a:r>
           </a:p>
           <a:p>
             <a:pPr lvl="1" eaLnBrk="1" latinLnBrk="0" hangingPunct="1"/>
             <a:r>
-              <a:rPr lang="en-US" smtClean="0"/>
+              <a:rPr lang="en-US"/>
               <a:t>Second level</a:t>
             </a:r>
           </a:p>
           <a:p>
             <a:pPr lvl="2" eaLnBrk="1" latinLnBrk="0" hangingPunct="1"/>
             <a:r>
-              <a:rPr lang="en-US" smtClean="0"/>
+              <a:rPr lang="en-US"/>
               <a:t>Third level</a:t>
             </a:r>
           </a:p>
           <a:p>
             <a:pPr lvl="3" eaLnBrk="1" latinLnBrk="0" hangingPunct="1"/>
             <a:r>
-              <a:rPr lang="en-US" smtClean="0"/>
+              <a:rPr lang="en-US"/>
               <a:t>Fourth level</a:t>
             </a:r>
           </a:p>
           <a:p>
             <a:pPr lvl="4" eaLnBrk="1" latinLnBrk="0" hangingPunct="1"/>
             <a:r>
-              <a:rPr lang="en-US" smtClean="0"/>
+              <a:rPr lang="en-US"/>
               <a:t>Fifth level</a:t>
             </a:r>
             <a:endParaRPr kumimoji="0" lang="en-US"/>
@@ -1241,35 +1253,35 @@
           <a:p>
             <a:pPr lvl="0" eaLnBrk="1" latinLnBrk="0" hangingPunct="1"/>
             <a:r>
-              <a:rPr lang="en-US" smtClean="0"/>
+              <a:rPr lang="en-US"/>
               <a:t>Click to edit Master text styles</a:t>
             </a:r>
           </a:p>
           <a:p>
             <a:pPr lvl="1" eaLnBrk="1" latinLnBrk="0" hangingPunct="1"/>
             <a:r>
-              <a:rPr lang="en-US" smtClean="0"/>
+              <a:rPr lang="en-US"/>
               <a:t>Second level</a:t>
             </a:r>
           </a:p>
           <a:p>
             <a:pPr lvl="2" eaLnBrk="1" latinLnBrk="0" hangingPunct="1"/>
             <a:r>
-              <a:rPr lang="en-US" smtClean="0"/>
+              <a:rPr lang="en-US"/>
               <a:t>Third level</a:t>
             </a:r>
           </a:p>
           <a:p>
             <a:pPr lvl="3" eaLnBrk="1" latinLnBrk="0" hangingPunct="1"/>
             <a:r>
-              <a:rPr lang="en-US" smtClean="0"/>
+              <a:rPr lang="en-US"/>
               <a:t>Fourth level</a:t>
             </a:r>
           </a:p>
           <a:p>
             <a:pPr lvl="4" eaLnBrk="1" latinLnBrk="0" hangingPunct="1"/>
             <a:r>
-              <a:rPr lang="en-US" smtClean="0"/>
+              <a:rPr lang="en-US"/>
               <a:t>Fifth level</a:t>
             </a:r>
             <a:endParaRPr kumimoji="0" lang="en-US"/>
@@ -1295,7 +1307,7 @@
               <a:rPr lang="en-US" smtClean="0"/>
               <a:t>12/17/2016</a:t>
             </a:fld>
-            <a:endParaRPr lang="en-US"/>
+            <a:endParaRPr lang="en-US" dirty="0"/>
           </a:p>
         </p:txBody>
       </p:sp>
@@ -1314,7 +1326,7 @@
           <a:bodyPr/>
           <a:lstStyle/>
           <a:p>
-            <a:endParaRPr lang="en-US"/>
+            <a:endParaRPr lang="en-US" dirty="0"/>
           </a:p>
         </p:txBody>
       </p:sp>
@@ -1337,7 +1349,7 @@
               <a:rPr lang="en-US" smtClean="0"/>
               <a:t>‹#›</a:t>
             </a:fld>
-            <a:endParaRPr lang="en-US"/>
+            <a:endParaRPr lang="en-US" dirty="0"/>
           </a:p>
         </p:txBody>
       </p:sp>
@@ -1391,10 +1403,9 @@
           </a:lstStyle>
           <a:p>
             <a:r>
-              <a:rPr kumimoji="0" lang="en-US" smtClean="0"/>
+              <a:rPr kumimoji="0" lang="en-US"/>
               <a:t>Click to edit Master title style</a:t>
             </a:r>
-            <a:endParaRPr kumimoji="0" lang="en-US"/>
           </a:p>
         </p:txBody>
       </p:sp>
@@ -1448,7 +1459,7 @@
           <a:p>
             <a:pPr lvl="0" eaLnBrk="1" latinLnBrk="0" hangingPunct="1"/>
             <a:r>
-              <a:rPr kumimoji="0" lang="en-US" smtClean="0"/>
+              <a:rPr kumimoji="0" lang="en-US"/>
               <a:t>Click to edit Master text styles</a:t>
             </a:r>
           </a:p>
@@ -1502,7 +1513,7 @@
           <a:p>
             <a:pPr lvl="0" eaLnBrk="1" latinLnBrk="0" hangingPunct="1"/>
             <a:r>
-              <a:rPr kumimoji="0" lang="en-US" smtClean="0"/>
+              <a:rPr kumimoji="0" lang="en-US"/>
               <a:t>Click to edit Master text styles</a:t>
             </a:r>
           </a:p>
@@ -1546,35 +1557,35 @@
           <a:p>
             <a:pPr lvl="0" eaLnBrk="1" latinLnBrk="0" hangingPunct="1"/>
             <a:r>
-              <a:rPr lang="en-US" smtClean="0"/>
+              <a:rPr lang="en-US"/>
               <a:t>Click to edit Master text styles</a:t>
             </a:r>
           </a:p>
           <a:p>
             <a:pPr lvl="1" eaLnBrk="1" latinLnBrk="0" hangingPunct="1"/>
             <a:r>
-              <a:rPr lang="en-US" smtClean="0"/>
+              <a:rPr lang="en-US"/>
               <a:t>Second level</a:t>
             </a:r>
           </a:p>
           <a:p>
             <a:pPr lvl="2" eaLnBrk="1" latinLnBrk="0" hangingPunct="1"/>
             <a:r>
-              <a:rPr lang="en-US" smtClean="0"/>
+              <a:rPr lang="en-US"/>
               <a:t>Third level</a:t>
             </a:r>
           </a:p>
           <a:p>
             <a:pPr lvl="3" eaLnBrk="1" latinLnBrk="0" hangingPunct="1"/>
             <a:r>
-              <a:rPr lang="en-US" smtClean="0"/>
+              <a:rPr lang="en-US"/>
               <a:t>Fourth level</a:t>
             </a:r>
           </a:p>
           <a:p>
             <a:pPr lvl="4" eaLnBrk="1" latinLnBrk="0" hangingPunct="1"/>
             <a:r>
-              <a:rPr lang="en-US" smtClean="0"/>
+              <a:rPr lang="en-US"/>
               <a:t>Fifth level</a:t>
             </a:r>
             <a:endParaRPr kumimoji="0" lang="en-US"/>
@@ -1619,35 +1630,35 @@
           <a:p>
             <a:pPr lvl="0" eaLnBrk="1" latinLnBrk="0" hangingPunct="1"/>
             <a:r>
-              <a:rPr lang="en-US" smtClean="0"/>
+              <a:rPr lang="en-US"/>
               <a:t>Click to edit Master text styles</a:t>
             </a:r>
           </a:p>
           <a:p>
             <a:pPr lvl="1" eaLnBrk="1" latinLnBrk="0" hangingPunct="1"/>
             <a:r>
-              <a:rPr lang="en-US" smtClean="0"/>
+              <a:rPr lang="en-US"/>
               <a:t>Second level</a:t>
             </a:r>
           </a:p>
           <a:p>
             <a:pPr lvl="2" eaLnBrk="1" latinLnBrk="0" hangingPunct="1"/>
             <a:r>
-              <a:rPr lang="en-US" smtClean="0"/>
+              <a:rPr lang="en-US"/>
               <a:t>Third level</a:t>
             </a:r>
           </a:p>
           <a:p>
             <a:pPr lvl="3" eaLnBrk="1" latinLnBrk="0" hangingPunct="1"/>
             <a:r>
-              <a:rPr lang="en-US" smtClean="0"/>
+              <a:rPr lang="en-US"/>
               <a:t>Fourth level</a:t>
             </a:r>
           </a:p>
           <a:p>
             <a:pPr lvl="4" eaLnBrk="1" latinLnBrk="0" hangingPunct="1"/>
             <a:r>
-              <a:rPr lang="en-US" smtClean="0"/>
+              <a:rPr lang="en-US"/>
               <a:t>Fifth level</a:t>
             </a:r>
             <a:endParaRPr kumimoji="0" lang="en-US"/>
@@ -1673,7 +1684,7 @@
               <a:rPr lang="en-US" smtClean="0"/>
               <a:t>12/17/2016</a:t>
             </a:fld>
-            <a:endParaRPr lang="en-US"/>
+            <a:endParaRPr lang="en-US" dirty="0"/>
           </a:p>
         </p:txBody>
       </p:sp>
@@ -1692,7 +1703,7 @@
           <a:bodyPr/>
           <a:lstStyle/>
           <a:p>
-            <a:endParaRPr lang="en-US"/>
+            <a:endParaRPr lang="en-US" dirty="0"/>
           </a:p>
         </p:txBody>
       </p:sp>
@@ -1715,7 +1726,7 @@
               <a:rPr lang="en-US" smtClean="0"/>
               <a:t>‹#›</a:t>
             </a:fld>
-            <a:endParaRPr lang="en-US"/>
+            <a:endParaRPr lang="en-US" dirty="0"/>
           </a:p>
         </p:txBody>
       </p:sp>
@@ -1797,10 +1808,9 @@
           </a:lstStyle>
           <a:p>
             <a:r>
-              <a:rPr kumimoji="0" lang="en-US" smtClean="0"/>
+              <a:rPr kumimoji="0" lang="en-US"/>
               <a:t>Click to edit Master title style</a:t>
             </a:r>
-            <a:endParaRPr kumimoji="0" lang="en-US"/>
           </a:p>
         </p:txBody>
       </p:sp>
@@ -1823,7 +1833,7 @@
               <a:rPr lang="en-US" smtClean="0"/>
               <a:t>12/17/2016</a:t>
             </a:fld>
-            <a:endParaRPr lang="en-US"/>
+            <a:endParaRPr lang="en-US" dirty="0"/>
           </a:p>
         </p:txBody>
       </p:sp>
@@ -1842,7 +1852,7 @@
           <a:bodyPr/>
           <a:lstStyle/>
           <a:p>
-            <a:endParaRPr lang="en-US"/>
+            <a:endParaRPr lang="en-US" dirty="0"/>
           </a:p>
         </p:txBody>
       </p:sp>
@@ -1865,7 +1875,7 @@
               <a:rPr lang="en-US" smtClean="0"/>
               <a:t>‹#›</a:t>
             </a:fld>
-            <a:endParaRPr lang="en-US"/>
+            <a:endParaRPr lang="en-US" dirty="0"/>
           </a:p>
         </p:txBody>
       </p:sp>
@@ -1913,7 +1923,7 @@
               <a:rPr lang="en-US" smtClean="0"/>
               <a:t>12/17/2016</a:t>
             </a:fld>
-            <a:endParaRPr lang="en-US"/>
+            <a:endParaRPr lang="en-US" dirty="0"/>
           </a:p>
         </p:txBody>
       </p:sp>
@@ -1932,7 +1942,7 @@
           <a:bodyPr/>
           <a:lstStyle/>
           <a:p>
-            <a:endParaRPr lang="en-US"/>
+            <a:endParaRPr lang="en-US" dirty="0"/>
           </a:p>
         </p:txBody>
       </p:sp>
@@ -1955,7 +1965,7 @@
               <a:rPr lang="en-US" smtClean="0"/>
               <a:t>‹#›</a:t>
             </a:fld>
-            <a:endParaRPr lang="en-US"/>
+            <a:endParaRPr lang="en-US" dirty="0"/>
           </a:p>
         </p:txBody>
       </p:sp>
@@ -2026,10 +2036,9 @@
           </a:lstStyle>
           <a:p>
             <a:r>
-              <a:rPr kumimoji="0" lang="en-US" smtClean="0"/>
+              <a:rPr kumimoji="0" lang="en-US"/>
               <a:t>Click to edit Master title style</a:t>
             </a:r>
-            <a:endParaRPr kumimoji="0" lang="en-US"/>
           </a:p>
         </p:txBody>
       </p:sp>
@@ -2076,7 +2085,7 @@
           <a:p>
             <a:pPr lvl="0" eaLnBrk="1" latinLnBrk="0" hangingPunct="1"/>
             <a:r>
-              <a:rPr kumimoji="0" lang="en-US" smtClean="0"/>
+              <a:rPr kumimoji="0" lang="en-US"/>
               <a:t>Click to edit Master text styles</a:t>
             </a:r>
           </a:p>
@@ -2120,35 +2129,35 @@
           <a:p>
             <a:pPr lvl="0" eaLnBrk="1" latinLnBrk="0" hangingPunct="1"/>
             <a:r>
-              <a:rPr lang="en-US" smtClean="0"/>
+              <a:rPr lang="en-US"/>
               <a:t>Click to edit Master text styles</a:t>
             </a:r>
           </a:p>
           <a:p>
             <a:pPr lvl="1" eaLnBrk="1" latinLnBrk="0" hangingPunct="1"/>
             <a:r>
-              <a:rPr lang="en-US" smtClean="0"/>
+              <a:rPr lang="en-US"/>
               <a:t>Second level</a:t>
             </a:r>
           </a:p>
           <a:p>
             <a:pPr lvl="2" eaLnBrk="1" latinLnBrk="0" hangingPunct="1"/>
             <a:r>
-              <a:rPr lang="en-US" smtClean="0"/>
+              <a:rPr lang="en-US"/>
               <a:t>Third level</a:t>
             </a:r>
           </a:p>
           <a:p>
             <a:pPr lvl="3" eaLnBrk="1" latinLnBrk="0" hangingPunct="1"/>
             <a:r>
-              <a:rPr lang="en-US" smtClean="0"/>
+              <a:rPr lang="en-US"/>
               <a:t>Fourth level</a:t>
             </a:r>
           </a:p>
           <a:p>
             <a:pPr lvl="4" eaLnBrk="1" latinLnBrk="0" hangingPunct="1"/>
             <a:r>
-              <a:rPr lang="en-US" smtClean="0"/>
+              <a:rPr lang="en-US"/>
               <a:t>Fifth level</a:t>
             </a:r>
             <a:endParaRPr kumimoji="0" lang="en-US"/>
@@ -2174,7 +2183,7 @@
               <a:rPr lang="en-US" smtClean="0"/>
               <a:t>12/17/2016</a:t>
             </a:fld>
-            <a:endParaRPr lang="en-US"/>
+            <a:endParaRPr lang="en-US" dirty="0"/>
           </a:p>
         </p:txBody>
       </p:sp>
@@ -2193,7 +2202,7 @@
           <a:bodyPr/>
           <a:lstStyle/>
           <a:p>
-            <a:endParaRPr lang="en-US"/>
+            <a:endParaRPr lang="en-US" dirty="0"/>
           </a:p>
         </p:txBody>
       </p:sp>
@@ -2216,7 +2225,7 @@
               <a:rPr lang="en-US" smtClean="0"/>
               <a:t>‹#›</a:t>
             </a:fld>
-            <a:endParaRPr lang="en-US"/>
+            <a:endParaRPr lang="en-US" dirty="0"/>
           </a:p>
         </p:txBody>
       </p:sp>
@@ -2298,7 +2307,7 @@
           <a:lstStyle/>
           <a:p>
             <a:pPr algn="ctr" eaLnBrk="1" latinLnBrk="0" hangingPunct="1"/>
-            <a:endParaRPr kumimoji="0" lang="en-US"/>
+            <a:endParaRPr kumimoji="0" lang="en-US" dirty="0"/>
           </a:p>
         </p:txBody>
       </p:sp>
@@ -2353,7 +2362,7 @@
           <a:lstStyle/>
           <a:p>
             <a:pPr algn="ctr" eaLnBrk="1" latinLnBrk="0" hangingPunct="1"/>
-            <a:endParaRPr kumimoji="0" lang="en-US"/>
+            <a:endParaRPr kumimoji="0" lang="en-US" dirty="0"/>
           </a:p>
         </p:txBody>
       </p:sp>
@@ -2387,10 +2396,9 @@
           </a:lstStyle>
           <a:p>
             <a:r>
-              <a:rPr kumimoji="0" lang="en-US" smtClean="0"/>
+              <a:rPr kumimoji="0" lang="en-US"/>
               <a:t>Click to edit Master title style</a:t>
             </a:r>
-            <a:endParaRPr kumimoji="0" lang="en-US"/>
           </a:p>
         </p:txBody>
       </p:sp>
@@ -2437,7 +2445,7 @@
           <a:p>
             <a:pPr lvl="0" eaLnBrk="1" latinLnBrk="0" hangingPunct="1"/>
             <a:r>
-              <a:rPr kumimoji="0" lang="en-US" smtClean="0"/>
+              <a:rPr kumimoji="0" lang="en-US"/>
               <a:t>Click to edit Master text styles</a:t>
             </a:r>
           </a:p>
@@ -2462,7 +2470,7 @@
               <a:rPr lang="en-US" smtClean="0"/>
               <a:t>12/17/2016</a:t>
             </a:fld>
-            <a:endParaRPr lang="en-US"/>
+            <a:endParaRPr lang="en-US" dirty="0"/>
           </a:p>
         </p:txBody>
       </p:sp>
@@ -2481,7 +2489,7 @@
           <a:bodyPr/>
           <a:lstStyle/>
           <a:p>
-            <a:endParaRPr lang="en-US"/>
+            <a:endParaRPr lang="en-US" dirty="0"/>
           </a:p>
         </p:txBody>
       </p:sp>
@@ -2509,7 +2517,7 @@
               <a:rPr lang="en-US" smtClean="0"/>
               <a:t>‹#›</a:t>
             </a:fld>
-            <a:endParaRPr lang="en-US"/>
+            <a:endParaRPr lang="en-US" dirty="0"/>
           </a:p>
         </p:txBody>
       </p:sp>
@@ -2552,10 +2560,9 @@
           </a:lstStyle>
           <a:p>
             <a:r>
-              <a:rPr kumimoji="0" lang="en-US" smtClean="0"/>
+              <a:rPr kumimoji="0" lang="en-US" dirty="0"/>
               <a:t>Click icon to add picture</a:t>
             </a:r>
-            <a:endParaRPr kumimoji="0" lang="en-US" dirty="0"/>
           </a:p>
         </p:txBody>
       </p:sp>
@@ -2691,7 +2698,7 @@
           <a:lstStyle/>
           <a:p>
             <a:pPr marL="0" algn="l" rtl="0" eaLnBrk="1" latinLnBrk="0" hangingPunct="1"/>
-            <a:endParaRPr kumimoji="0" lang="en-US">
+            <a:endParaRPr kumimoji="0" lang="en-US" dirty="0">
               <a:solidFill>
                 <a:schemeClr val="tx1"/>
               </a:solidFill>
@@ -2804,7 +2811,7 @@
           <a:lstStyle/>
           <a:p>
             <a:pPr marL="0" algn="l" rtl="0" eaLnBrk="1" latinLnBrk="0" hangingPunct="1"/>
-            <a:endParaRPr kumimoji="0" lang="en-US">
+            <a:endParaRPr kumimoji="0" lang="en-US" dirty="0">
               <a:solidFill>
                 <a:schemeClr val="tx1"/>
               </a:solidFill>
@@ -2977,7 +2984,7 @@
           <a:lstStyle/>
           <a:p>
             <a:pPr marL="0" algn="l" rtl="0" eaLnBrk="1" latinLnBrk="0" hangingPunct="1"/>
-            <a:endParaRPr kumimoji="0" lang="en-US">
+            <a:endParaRPr kumimoji="0" lang="en-US" dirty="0">
               <a:solidFill>
                 <a:schemeClr val="tx1"/>
               </a:solidFill>
@@ -3090,7 +3097,7 @@
           <a:lstStyle/>
           <a:p>
             <a:pPr marL="0" algn="l" rtl="0" eaLnBrk="1" latinLnBrk="0" hangingPunct="1"/>
-            <a:endParaRPr kumimoji="0" lang="en-US">
+            <a:endParaRPr kumimoji="0" lang="en-US" dirty="0">
               <a:solidFill>
                 <a:schemeClr val="tx1"/>
               </a:solidFill>
@@ -3127,10 +3134,9 @@
           <a:lstStyle/>
           <a:p>
             <a:r>
-              <a:rPr kumimoji="0" lang="en-US" smtClean="0"/>
+              <a:rPr kumimoji="0" lang="en-US"/>
               <a:t>Click to edit Master title style</a:t>
             </a:r>
-            <a:endParaRPr kumimoji="0" lang="en-US"/>
           </a:p>
         </p:txBody>
       </p:sp>
@@ -3161,38 +3167,37 @@
           <a:p>
             <a:pPr lvl="0" eaLnBrk="1" latinLnBrk="0" hangingPunct="1"/>
             <a:r>
-              <a:rPr kumimoji="0" lang="en-US" smtClean="0"/>
+              <a:rPr kumimoji="0" lang="en-US"/>
               <a:t>Click to edit Master text styles</a:t>
             </a:r>
           </a:p>
           <a:p>
             <a:pPr lvl="1" eaLnBrk="1" latinLnBrk="0" hangingPunct="1"/>
             <a:r>
-              <a:rPr kumimoji="0" lang="en-US" smtClean="0"/>
+              <a:rPr kumimoji="0" lang="en-US"/>
               <a:t>Second level</a:t>
             </a:r>
           </a:p>
           <a:p>
             <a:pPr lvl="2" eaLnBrk="1" latinLnBrk="0" hangingPunct="1"/>
             <a:r>
-              <a:rPr kumimoji="0" lang="en-US" smtClean="0"/>
+              <a:rPr kumimoji="0" lang="en-US"/>
               <a:t>Third level</a:t>
             </a:r>
           </a:p>
           <a:p>
             <a:pPr lvl="3" eaLnBrk="1" latinLnBrk="0" hangingPunct="1"/>
             <a:r>
-              <a:rPr kumimoji="0" lang="en-US" smtClean="0"/>
+              <a:rPr kumimoji="0" lang="en-US"/>
               <a:t>Fourth level</a:t>
             </a:r>
           </a:p>
           <a:p>
             <a:pPr lvl="4" eaLnBrk="1" latinLnBrk="0" hangingPunct="1"/>
             <a:r>
-              <a:rPr kumimoji="0" lang="en-US" smtClean="0"/>
+              <a:rPr kumimoji="0" lang="en-US"/>
               <a:t>Fifth level</a:t>
             </a:r>
-            <a:endParaRPr kumimoji="0" lang="en-US"/>
           </a:p>
         </p:txBody>
       </p:sp>
@@ -3233,7 +3238,7 @@
               <a:rPr lang="en-US" smtClean="0"/>
               <a:t>12/17/2016</a:t>
             </a:fld>
-            <a:endParaRPr lang="en-US"/>
+            <a:endParaRPr lang="en-US" dirty="0"/>
           </a:p>
         </p:txBody>
       </p:sp>
@@ -3270,7 +3275,7 @@
             </a:lvl1pPr>
           </a:lstStyle>
           <a:p>
-            <a:endParaRPr lang="en-US"/>
+            <a:endParaRPr lang="en-US" dirty="0"/>
           </a:p>
         </p:txBody>
       </p:sp>
@@ -3311,7 +3316,7 @@
               <a:rPr lang="en-US" smtClean="0"/>
               <a:t>‹#›</a:t>
             </a:fld>
-            <a:endParaRPr lang="en-US"/>
+            <a:endParaRPr lang="en-US" dirty="0"/>
           </a:p>
         </p:txBody>
       </p:sp>
@@ -3427,7 +3432,7 @@
             <a:bodyPr vert="horz" wrap="square" lIns="91440" tIns="45720" rIns="91440" bIns="45720" anchor="t" compatLnSpc="1"/>
             <a:lstStyle/>
             <a:p>
-              <a:endParaRPr kumimoji="0" lang="en-US"/>
+              <a:endParaRPr kumimoji="0" lang="en-US" dirty="0"/>
             </a:p>
           </p:txBody>
         </p:sp>
@@ -3524,7 +3529,7 @@
             <a:bodyPr vert="horz" wrap="square" lIns="91440" tIns="45720" rIns="91440" bIns="45720" anchor="t" compatLnSpc="1"/>
             <a:lstStyle/>
             <a:p>
-              <a:endParaRPr kumimoji="0" lang="en-US"/>
+              <a:endParaRPr kumimoji="0" lang="en-US" dirty="0"/>
             </a:p>
           </p:txBody>
         </p:sp>
@@ -3865,17 +3870,16 @@
           <a:lstStyle/>
           <a:p>
             <a:r>
-              <a:rPr lang="en-US" dirty="0" smtClean="0"/>
+              <a:rPr lang="en-US" dirty="0"/>
               <a:t>Code-A-Thon 2016</a:t>
             </a:r>
             <a:br>
-              <a:rPr lang="en-US" dirty="0" smtClean="0"/>
+              <a:rPr lang="en-US" dirty="0"/>
             </a:br>
             <a:r>
-              <a:rPr lang="en-US" dirty="0" err="1" smtClean="0"/>
+              <a:rPr lang="en-US" dirty="0"/>
               <a:t>DisplayBTeam</a:t>
             </a:r>
-            <a:endParaRPr lang="en-US" dirty="0"/>
           </a:p>
         </p:txBody>
       </p:sp>
@@ -3897,32 +3901,27 @@
           <a:lstStyle/>
           <a:p>
             <a:r>
-              <a:rPr lang="en-US" dirty="0" smtClean="0"/>
+              <a:rPr lang="en-US" dirty="0"/>
               <a:t>Chris Meyers</a:t>
             </a:r>
           </a:p>
           <a:p>
             <a:r>
-              <a:rPr lang="en-US" dirty="0" smtClean="0"/>
+              <a:rPr lang="en-US" dirty="0"/>
               <a:t>William Reeder</a:t>
             </a:r>
           </a:p>
           <a:p>
             <a:r>
-              <a:rPr lang="en-US" dirty="0" smtClean="0"/>
+              <a:rPr lang="en-US" dirty="0"/>
               <a:t>Robert Reeder</a:t>
             </a:r>
           </a:p>
           <a:p>
             <a:r>
-              <a:rPr lang="en-US" dirty="0" err="1" smtClean="0"/>
-              <a:t>Ryne</a:t>
-            </a:r>
-            <a:r>
-              <a:rPr lang="en-US" dirty="0" smtClean="0"/>
-              <a:t> Wolfgang</a:t>
-            </a:r>
-            <a:endParaRPr lang="en-US" dirty="0"/>
+              <a:rPr lang="en-US" dirty="0"/>
+              <a:t>Ryne Wolfgang</a:t>
+            </a:r>
           </a:p>
         </p:txBody>
       </p:sp>
@@ -3967,14 +3966,9 @@
           <a:lstStyle/>
           <a:p>
             <a:r>
-              <a:rPr lang="en-US" dirty="0" err="1" smtClean="0"/>
-              <a:t>ArTech</a:t>
-            </a:r>
-            <a:r>
-              <a:rPr lang="en-US" dirty="0" smtClean="0"/>
-              <a:t> Search and Rescue</a:t>
-            </a:r>
-            <a:endParaRPr lang="en-US" dirty="0"/>
+              <a:rPr lang="en-US" dirty="0"/>
+              <a:t>ArTech Search and Rescue</a:t>
+            </a:r>
           </a:p>
         </p:txBody>
       </p:sp>
@@ -3997,7 +3991,7 @@
               <a:buNone/>
             </a:pPr>
             <a:r>
-              <a:rPr lang="en-US" dirty="0" smtClean="0"/>
+              <a:rPr lang="en-US" dirty="0"/>
               <a:t>Mission Statement:</a:t>
             </a:r>
           </a:p>
@@ -4006,36 +4000,8 @@
               <a:buNone/>
             </a:pPr>
             <a:r>
-              <a:rPr lang="en-US" dirty="0" smtClean="0"/>
-              <a:t>Our </a:t>
-            </a:r>
-            <a:r>
-              <a:rPr lang="en-US" dirty="0" smtClean="0"/>
-              <a:t>goal </a:t>
-            </a:r>
-            <a:r>
-              <a:rPr lang="en-US" dirty="0" smtClean="0"/>
-              <a:t>was </a:t>
-            </a:r>
-            <a:r>
-              <a:rPr lang="en-US" dirty="0" smtClean="0"/>
-              <a:t>to create a planning and decision aid application for search rescue.  This application </a:t>
-            </a:r>
-            <a:r>
-              <a:rPr lang="en-US" dirty="0" smtClean="0"/>
-              <a:t>is </a:t>
-            </a:r>
-            <a:r>
-              <a:rPr lang="en-US" dirty="0" smtClean="0"/>
-              <a:t>based on the NASA </a:t>
-            </a:r>
-            <a:r>
-              <a:rPr lang="en-US" dirty="0" err="1" smtClean="0"/>
-              <a:t>Worldwind</a:t>
-            </a:r>
-            <a:r>
-              <a:rPr lang="en-US" dirty="0" smtClean="0"/>
-              <a:t> SDK. </a:t>
+              <a:rPr lang="en-US" dirty="0"/>
+              <a:t>Our goal was to create a planning and decision aid application for search rescue.  This application is based on the NASA Worldwind SDK. </a:t>
             </a:r>
           </a:p>
           <a:p>
@@ -4087,29 +4053,39 @@
           <a:lstStyle/>
           <a:p>
             <a:r>
-              <a:rPr lang="en-US" dirty="0" smtClean="0"/>
-              <a:t>What is </a:t>
-            </a:r>
-            <a:r>
-              <a:rPr lang="en-US" dirty="0" err="1" smtClean="0"/>
-              <a:t>Worldwind</a:t>
-            </a:r>
-            <a:r>
-              <a:rPr lang="en-US" dirty="0" smtClean="0"/>
-              <a:t>?</a:t>
-            </a:r>
+              <a:rPr lang="en-US" dirty="0"/>
+              <a:t>What is Worldwind?</a:t>
+            </a:r>
+          </a:p>
+        </p:txBody>
+      </p:sp>
+      <p:sp>
+        <p:nvSpPr>
+          <p:cNvPr id="4" name="Text Placeholder 3"/>
+          <p:cNvSpPr>
+            <a:spLocks noGrp="1"/>
+          </p:cNvSpPr>
+          <p:nvPr>
+            <p:ph type="body" idx="1"/>
+          </p:nvPr>
+        </p:nvSpPr>
+        <p:spPr/>
+        <p:txBody>
+          <a:bodyPr/>
+          <a:lstStyle/>
+          <a:p>
             <a:endParaRPr lang="en-US" dirty="0"/>
           </a:p>
         </p:txBody>
       </p:sp>
       <p:sp>
         <p:nvSpPr>
-          <p:cNvPr id="4" name="Text Placeholder 3"/>
-          <p:cNvSpPr>
-            <a:spLocks noGrp="1"/>
-          </p:cNvSpPr>
-          <p:nvPr>
-            <p:ph type="body" idx="1"/>
+          <p:cNvPr id="5" name="Text Placeholder 4"/>
+          <p:cNvSpPr>
+            <a:spLocks noGrp="1"/>
+          </p:cNvSpPr>
+          <p:nvPr>
+            <p:ph type="body" sz="half" idx="3"/>
           </p:nvPr>
         </p:nvSpPr>
         <p:spPr/>
@@ -4118,25 +4094,6 @@
           <a:lstStyle/>
           <a:p>
             <a:endParaRPr lang="en-US" dirty="0"/>
-          </a:p>
-        </p:txBody>
-      </p:sp>
-      <p:sp>
-        <p:nvSpPr>
-          <p:cNvPr id="5" name="Text Placeholder 4"/>
-          <p:cNvSpPr>
-            <a:spLocks noGrp="1"/>
-          </p:cNvSpPr>
-          <p:nvPr>
-            <p:ph type="body" sz="half" idx="3"/>
-          </p:nvPr>
-        </p:nvSpPr>
-        <p:spPr/>
-        <p:txBody>
-          <a:bodyPr/>
-          <a:lstStyle/>
-          <a:p>
-            <a:endParaRPr lang="en-US"/>
           </a:p>
         </p:txBody>
       </p:sp>
@@ -4158,37 +4115,15 @@
           <a:lstStyle/>
           <a:p>
             <a:r>
-              <a:rPr lang="en-US" dirty="0" smtClean="0"/>
-              <a:t>World Wind is a free, open source API </a:t>
-            </a:r>
-            <a:r>
-              <a:rPr lang="en-US" dirty="0" smtClean="0"/>
-              <a:t>developed by NASA that provides </a:t>
-            </a:r>
-            <a:r>
-              <a:rPr lang="en-US" dirty="0" smtClean="0"/>
-              <a:t>a virtual globe. </a:t>
-            </a:r>
-            <a:r>
-              <a:rPr lang="en-US" dirty="0" smtClean="0"/>
-              <a:t>It </a:t>
-            </a:r>
-            <a:r>
-              <a:rPr lang="en-US" dirty="0" smtClean="0"/>
-              <a:t>allows developers to quickly and easily create interactive visualizations of 3D globe, map and geographical information. </a:t>
-            </a:r>
-            <a:endParaRPr lang="en-US" dirty="0" smtClean="0"/>
-          </a:p>
-          <a:p>
-            <a:r>
-              <a:rPr lang="en-US" dirty="0" smtClean="0"/>
-              <a:t>Organizations </a:t>
-            </a:r>
-            <a:r>
-              <a:rPr lang="en-US" dirty="0" smtClean="0"/>
-              <a:t>across the world use World Wind to monitor weather patterns, visualize cities and terrain, track the movement of planes, vehicles and ships, analyze geospatial data, and educate people about the Earth.</a:t>
-            </a:r>
-            <a:endParaRPr lang="en-US" dirty="0"/>
+              <a:rPr lang="en-US" dirty="0"/>
+              <a:t>World Wind is a free, open source API developed by NASA that provides a virtual globe. It allows developers to quickly and easily create interactive visualizations of 3D globe, map and geographical information. </a:t>
+            </a:r>
+          </a:p>
+          <a:p>
+            <a:r>
+              <a:rPr lang="en-US" dirty="0"/>
+              <a:t>Organizations across the world use World Wind to monitor weather patterns, visualize cities and terrain, track the movement of planes, vehicles and ships, analyze geospatial data, and educate people about the Earth.</a:t>
+            </a:r>
           </a:p>
         </p:txBody>
       </p:sp>
@@ -4242,13 +4177,459 @@
   <p:clrMapOvr>
     <a:masterClrMapping/>
   </p:clrMapOvr>
-  <p:timing>
-    <p:tnLst>
-      <p:par>
-        <p:cTn id="1" dur="indefinite" restart="never" nodeType="tmRoot"/>
-      </p:par>
-    </p:tnLst>
-  </p:timing>
+</p:sld>
+</file>
+
+<file path=ppt/slides/slide4.xml><?xml version="1.0" encoding="utf-8"?>
+<p:sld xmlns:a="http://schemas.openxmlformats.org/drawingml/2006/main" xmlns:r="http://schemas.openxmlformats.org/officeDocument/2006/relationships" xmlns:p="http://schemas.openxmlformats.org/presentationml/2006/main">
+  <p:cSld>
+    <p:spTree>
+      <p:nvGrpSpPr>
+        <p:cNvPr id="1" name=""/>
+        <p:cNvGrpSpPr/>
+        <p:nvPr/>
+      </p:nvGrpSpPr>
+      <p:grpSpPr>
+        <a:xfrm>
+          <a:off x="0" y="0"/>
+          <a:ext cx="0" cy="0"/>
+          <a:chOff x="0" y="0"/>
+          <a:chExt cx="0" cy="0"/>
+        </a:xfrm>
+      </p:grpSpPr>
+      <p:sp>
+        <p:nvSpPr>
+          <p:cNvPr id="7" name="Title 6"/>
+          <p:cNvSpPr>
+            <a:spLocks noGrp="1"/>
+          </p:cNvSpPr>
+          <p:nvPr>
+            <p:ph type="title"/>
+          </p:nvPr>
+        </p:nvSpPr>
+        <p:spPr/>
+        <p:txBody>
+          <a:bodyPr/>
+          <a:lstStyle/>
+          <a:p>
+            <a:r>
+              <a:rPr lang="en-US" dirty="0"/>
+              <a:t>What does the application do?</a:t>
+            </a:r>
+          </a:p>
+        </p:txBody>
+      </p:sp>
+      <p:sp>
+        <p:nvSpPr>
+          <p:cNvPr id="9" name="Text Placeholder 8"/>
+          <p:cNvSpPr>
+            <a:spLocks noGrp="1"/>
+          </p:cNvSpPr>
+          <p:nvPr>
+            <p:ph type="body" idx="1"/>
+          </p:nvPr>
+        </p:nvSpPr>
+        <p:spPr/>
+        <p:txBody>
+          <a:bodyPr/>
+          <a:lstStyle/>
+          <a:p>
+            <a:endParaRPr lang="en-US"/>
+          </a:p>
+        </p:txBody>
+      </p:sp>
+      <p:sp>
+        <p:nvSpPr>
+          <p:cNvPr id="10" name="Text Placeholder 9"/>
+          <p:cNvSpPr>
+            <a:spLocks noGrp="1"/>
+          </p:cNvSpPr>
+          <p:nvPr>
+            <p:ph type="body" sz="half" idx="3"/>
+          </p:nvPr>
+        </p:nvSpPr>
+        <p:spPr/>
+        <p:txBody>
+          <a:bodyPr/>
+          <a:lstStyle/>
+          <a:p>
+            <a:endParaRPr lang="en-US"/>
+          </a:p>
+        </p:txBody>
+      </p:sp>
+      <p:sp>
+        <p:nvSpPr>
+          <p:cNvPr id="8" name="Content Placeholder 7"/>
+          <p:cNvSpPr>
+            <a:spLocks noGrp="1"/>
+          </p:cNvSpPr>
+          <p:nvPr>
+            <p:ph sz="quarter" idx="2"/>
+          </p:nvPr>
+        </p:nvSpPr>
+        <p:spPr/>
+        <p:txBody>
+          <a:bodyPr>
+            <a:normAutofit lnSpcReduction="10000"/>
+          </a:bodyPr>
+          <a:lstStyle/>
+          <a:p>
+            <a:r>
+              <a:rPr lang="en-US" dirty="0"/>
+              <a:t>The search area is based on the last known location of a hiker and the path he/she was traveling. </a:t>
+            </a:r>
+          </a:p>
+          <a:p>
+            <a:r>
+              <a:rPr lang="en-US" dirty="0"/>
+              <a:t>In this case a simple path shows the heat map with probable locations to plan a search.</a:t>
+            </a:r>
+          </a:p>
+          <a:p>
+            <a:r>
+              <a:rPr lang="en-US" dirty="0"/>
+              <a:t>Red is the most likely locations and green the least likely.</a:t>
+            </a:r>
+          </a:p>
+        </p:txBody>
+      </p:sp>
+      <p:pic>
+        <p:nvPicPr>
+          <p:cNvPr id="12" name="Content Placeholder 11"/>
+          <p:cNvPicPr>
+            <a:picLocks noGrp="1" noChangeAspect="1"/>
+          </p:cNvPicPr>
+          <p:nvPr>
+            <p:ph sz="quarter" idx="4"/>
+          </p:nvPr>
+        </p:nvPicPr>
+        <p:blipFill>
+          <a:blip r:embed="rId2" cstate="print">
+            <a:extLst>
+              <a:ext uri="{28A0092B-C50C-407E-A947-70E740481C1C}">
+                <a14:useLocalDpi xmlns:a14="http://schemas.microsoft.com/office/drawing/2010/main" val="0"/>
+              </a:ext>
+            </a:extLst>
+          </a:blip>
+          <a:stretch>
+            <a:fillRect/>
+          </a:stretch>
+        </p:blipFill>
+        <p:spPr>
+          <a:xfrm>
+            <a:off x="4996250" y="2514600"/>
+            <a:ext cx="3339325" cy="3846513"/>
+          </a:xfrm>
+        </p:spPr>
+      </p:pic>
+    </p:spTree>
+    <p:extLst>
+      <p:ext uri="{BB962C8B-B14F-4D97-AF65-F5344CB8AC3E}">
+        <p14:creationId xmlns:p14="http://schemas.microsoft.com/office/powerpoint/2010/main" val="656892786"/>
+      </p:ext>
+    </p:extLst>
+  </p:cSld>
+  <p:clrMapOvr>
+    <a:masterClrMapping/>
+  </p:clrMapOvr>
+</p:sld>
+</file>
+
+<file path=ppt/slides/slide5.xml><?xml version="1.0" encoding="utf-8"?>
+<p:sld xmlns:a="http://schemas.openxmlformats.org/drawingml/2006/main" xmlns:r="http://schemas.openxmlformats.org/officeDocument/2006/relationships" xmlns:p="http://schemas.openxmlformats.org/presentationml/2006/main">
+  <p:cSld>
+    <p:spTree>
+      <p:nvGrpSpPr>
+        <p:cNvPr id="1" name=""/>
+        <p:cNvGrpSpPr/>
+        <p:nvPr/>
+      </p:nvGrpSpPr>
+      <p:grpSpPr>
+        <a:xfrm>
+          <a:off x="0" y="0"/>
+          <a:ext cx="0" cy="0"/>
+          <a:chOff x="0" y="0"/>
+          <a:chExt cx="0" cy="0"/>
+        </a:xfrm>
+      </p:grpSpPr>
+      <p:sp>
+        <p:nvSpPr>
+          <p:cNvPr id="7" name="Title 6"/>
+          <p:cNvSpPr>
+            <a:spLocks noGrp="1"/>
+          </p:cNvSpPr>
+          <p:nvPr>
+            <p:ph type="title"/>
+          </p:nvPr>
+        </p:nvSpPr>
+        <p:spPr/>
+        <p:txBody>
+          <a:bodyPr/>
+          <a:lstStyle/>
+          <a:p>
+            <a:r>
+              <a:rPr lang="en-US" dirty="0"/>
+              <a:t>How are the areas calculated?</a:t>
+            </a:r>
+          </a:p>
+        </p:txBody>
+      </p:sp>
+      <p:sp>
+        <p:nvSpPr>
+          <p:cNvPr id="9" name="Text Placeholder 8"/>
+          <p:cNvSpPr>
+            <a:spLocks noGrp="1"/>
+          </p:cNvSpPr>
+          <p:nvPr>
+            <p:ph type="body" idx="1"/>
+          </p:nvPr>
+        </p:nvSpPr>
+        <p:spPr/>
+        <p:txBody>
+          <a:bodyPr/>
+          <a:lstStyle/>
+          <a:p>
+            <a:endParaRPr lang="en-US"/>
+          </a:p>
+        </p:txBody>
+      </p:sp>
+      <p:sp>
+        <p:nvSpPr>
+          <p:cNvPr id="10" name="Text Placeholder 9"/>
+          <p:cNvSpPr>
+            <a:spLocks noGrp="1"/>
+          </p:cNvSpPr>
+          <p:nvPr>
+            <p:ph type="body" sz="half" idx="3"/>
+          </p:nvPr>
+        </p:nvSpPr>
+        <p:spPr/>
+        <p:txBody>
+          <a:bodyPr/>
+          <a:lstStyle/>
+          <a:p>
+            <a:endParaRPr lang="en-US"/>
+          </a:p>
+        </p:txBody>
+      </p:sp>
+      <p:sp>
+        <p:nvSpPr>
+          <p:cNvPr id="8" name="Content Placeholder 7"/>
+          <p:cNvSpPr>
+            <a:spLocks noGrp="1"/>
+          </p:cNvSpPr>
+          <p:nvPr>
+            <p:ph sz="quarter" idx="2"/>
+          </p:nvPr>
+        </p:nvSpPr>
+        <p:spPr/>
+        <p:txBody>
+          <a:bodyPr>
+            <a:normAutofit lnSpcReduction="10000"/>
+          </a:bodyPr>
+          <a:lstStyle/>
+          <a:p>
+            <a:r>
+              <a:rPr lang="en-US" dirty="0"/>
+              <a:t>The search area is based on the last known position and average movement speed for a human. </a:t>
+            </a:r>
+            <a:r>
+              <a:rPr lang="en-US" b="1" dirty="0"/>
+              <a:t>Olympians may require a larger search area!</a:t>
+            </a:r>
+          </a:p>
+          <a:p>
+            <a:endParaRPr lang="en-US" dirty="0"/>
+          </a:p>
+          <a:p>
+            <a:r>
+              <a:rPr lang="en-US" dirty="0"/>
+              <a:t>Weighted averages for the normal distributions have been used to calculate the probable areas for a search.</a:t>
+            </a:r>
+          </a:p>
+        </p:txBody>
+      </p:sp>
+      <p:pic>
+        <p:nvPicPr>
+          <p:cNvPr id="3" name="Content Placeholder 2"/>
+          <p:cNvPicPr>
+            <a:picLocks noGrp="1" noChangeAspect="1"/>
+          </p:cNvPicPr>
+          <p:nvPr>
+            <p:ph sz="quarter" idx="4"/>
+          </p:nvPr>
+        </p:nvPicPr>
+        <p:blipFill>
+          <a:blip r:embed="rId2" cstate="print">
+            <a:extLst>
+              <a:ext uri="{28A0092B-C50C-407E-A947-70E740481C1C}">
+                <a14:useLocalDpi xmlns:a14="http://schemas.microsoft.com/office/drawing/2010/main" val="0"/>
+              </a:ext>
+            </a:extLst>
+          </a:blip>
+          <a:stretch>
+            <a:fillRect/>
+          </a:stretch>
+        </p:blipFill>
+        <p:spPr>
+          <a:xfrm>
+            <a:off x="4668699" y="2667000"/>
+            <a:ext cx="4041775" cy="2454032"/>
+          </a:xfrm>
+        </p:spPr>
+      </p:pic>
+    </p:spTree>
+    <p:extLst>
+      <p:ext uri="{BB962C8B-B14F-4D97-AF65-F5344CB8AC3E}">
+        <p14:creationId xmlns:p14="http://schemas.microsoft.com/office/powerpoint/2010/main" val="3177952049"/>
+      </p:ext>
+    </p:extLst>
+  </p:cSld>
+  <p:clrMapOvr>
+    <a:masterClrMapping/>
+  </p:clrMapOvr>
+</p:sld>
+</file>
+
+<file path=ppt/slides/slide6.xml><?xml version="1.0" encoding="utf-8"?>
+<p:sld xmlns:a="http://schemas.openxmlformats.org/drawingml/2006/main" xmlns:r="http://schemas.openxmlformats.org/officeDocument/2006/relationships" xmlns:p="http://schemas.openxmlformats.org/presentationml/2006/main">
+  <p:cSld>
+    <p:spTree>
+      <p:nvGrpSpPr>
+        <p:cNvPr id="1" name=""/>
+        <p:cNvGrpSpPr/>
+        <p:nvPr/>
+      </p:nvGrpSpPr>
+      <p:grpSpPr>
+        <a:xfrm>
+          <a:off x="0" y="0"/>
+          <a:ext cx="0" cy="0"/>
+          <a:chOff x="0" y="0"/>
+          <a:chExt cx="0" cy="0"/>
+        </a:xfrm>
+      </p:grpSpPr>
+      <p:sp>
+        <p:nvSpPr>
+          <p:cNvPr id="7" name="Title 6"/>
+          <p:cNvSpPr>
+            <a:spLocks noGrp="1"/>
+          </p:cNvSpPr>
+          <p:nvPr>
+            <p:ph type="title"/>
+          </p:nvPr>
+        </p:nvSpPr>
+        <p:spPr/>
+        <p:txBody>
+          <a:bodyPr/>
+          <a:lstStyle/>
+          <a:p>
+            <a:r>
+              <a:rPr lang="en-US" dirty="0"/>
+              <a:t>What does the application do?</a:t>
+            </a:r>
+          </a:p>
+        </p:txBody>
+      </p:sp>
+      <p:sp>
+        <p:nvSpPr>
+          <p:cNvPr id="9" name="Text Placeholder 8"/>
+          <p:cNvSpPr>
+            <a:spLocks noGrp="1"/>
+          </p:cNvSpPr>
+          <p:nvPr>
+            <p:ph type="body" idx="1"/>
+          </p:nvPr>
+        </p:nvSpPr>
+        <p:spPr/>
+        <p:txBody>
+          <a:bodyPr/>
+          <a:lstStyle/>
+          <a:p>
+            <a:endParaRPr lang="en-US"/>
+          </a:p>
+        </p:txBody>
+      </p:sp>
+      <p:sp>
+        <p:nvSpPr>
+          <p:cNvPr id="10" name="Text Placeholder 9"/>
+          <p:cNvSpPr>
+            <a:spLocks noGrp="1"/>
+          </p:cNvSpPr>
+          <p:nvPr>
+            <p:ph type="body" sz="half" idx="3"/>
+          </p:nvPr>
+        </p:nvSpPr>
+        <p:spPr/>
+        <p:txBody>
+          <a:bodyPr/>
+          <a:lstStyle/>
+          <a:p>
+            <a:endParaRPr lang="en-US"/>
+          </a:p>
+        </p:txBody>
+      </p:sp>
+      <p:sp>
+        <p:nvSpPr>
+          <p:cNvPr id="8" name="Content Placeholder 7"/>
+          <p:cNvSpPr>
+            <a:spLocks noGrp="1"/>
+          </p:cNvSpPr>
+          <p:nvPr>
+            <p:ph sz="quarter" idx="2"/>
+          </p:nvPr>
+        </p:nvSpPr>
+        <p:spPr/>
+        <p:txBody>
+          <a:bodyPr>
+            <a:normAutofit/>
+          </a:bodyPr>
+          <a:lstStyle/>
+          <a:p>
+            <a:r>
+              <a:rPr lang="en-US" dirty="0"/>
+              <a:t>The search area is based on the last known position and average movement speed for a human. Olympians may require a larger search area!</a:t>
+            </a:r>
+          </a:p>
+          <a:p>
+            <a:endParaRPr lang="en-US" dirty="0"/>
+          </a:p>
+          <a:p>
+            <a:r>
+              <a:rPr lang="en-US" dirty="0"/>
+              <a:t>Weighted averages for the normal distributions have been used to calculate the probable areas for a search.</a:t>
+            </a:r>
+          </a:p>
+        </p:txBody>
+      </p:sp>
+      <p:sp>
+        <p:nvSpPr>
+          <p:cNvPr id="2" name="Content Placeholder 1"/>
+          <p:cNvSpPr>
+            <a:spLocks noGrp="1"/>
+          </p:cNvSpPr>
+          <p:nvPr>
+            <p:ph sz="quarter" idx="4"/>
+          </p:nvPr>
+        </p:nvSpPr>
+        <p:spPr/>
+        <p:txBody>
+          <a:bodyPr/>
+          <a:lstStyle/>
+          <a:p>
+            <a:endParaRPr lang="en-US"/>
+          </a:p>
+        </p:txBody>
+      </p:sp>
+    </p:spTree>
+    <p:extLst>
+      <p:ext uri="{BB962C8B-B14F-4D97-AF65-F5344CB8AC3E}">
+        <p14:creationId xmlns:p14="http://schemas.microsoft.com/office/powerpoint/2010/main" val="2449004404"/>
+      </p:ext>
+    </p:extLst>
+  </p:cSld>
+  <p:clrMapOvr>
+    <a:masterClrMapping/>
+  </p:clrMapOvr>
 </p:sld>
 </file>
 
